--- a/presentation/React.pptx
+++ b/presentation/React.pptx
@@ -266,7 +266,7 @@
           <a:p>
             <a:fld id="{0B9EF227-5A19-4A44-83BB-A907BC2B18AD}" type="datetimeFigureOut">
               <a:rPr lang="en-US" smtClean="0"/>
-              <a:t>3/2/2018</a:t>
+              <a:t>3/9/2018</a:t>
             </a:fld>
             <a:endParaRPr lang="en-US" dirty="0"/>
           </a:p>
@@ -464,7 +464,7 @@
           <a:p>
             <a:fld id="{0B9EF227-5A19-4A44-83BB-A907BC2B18AD}" type="datetimeFigureOut">
               <a:rPr lang="en-US" smtClean="0"/>
-              <a:t>3/2/2018</a:t>
+              <a:t>3/9/2018</a:t>
             </a:fld>
             <a:endParaRPr lang="en-US" dirty="0"/>
           </a:p>
@@ -672,7 +672,7 @@
           <a:p>
             <a:fld id="{0B9EF227-5A19-4A44-83BB-A907BC2B18AD}" type="datetimeFigureOut">
               <a:rPr lang="en-US" smtClean="0"/>
-              <a:t>3/2/2018</a:t>
+              <a:t>3/9/2018</a:t>
             </a:fld>
             <a:endParaRPr lang="en-US" dirty="0"/>
           </a:p>
@@ -870,7 +870,7 @@
           <a:p>
             <a:fld id="{0B9EF227-5A19-4A44-83BB-A907BC2B18AD}" type="datetimeFigureOut">
               <a:rPr lang="en-US" smtClean="0"/>
-              <a:t>3/2/2018</a:t>
+              <a:t>3/9/2018</a:t>
             </a:fld>
             <a:endParaRPr lang="en-US" dirty="0"/>
           </a:p>
@@ -1145,7 +1145,7 @@
           <a:p>
             <a:fld id="{0B9EF227-5A19-4A44-83BB-A907BC2B18AD}" type="datetimeFigureOut">
               <a:rPr lang="en-US" smtClean="0"/>
-              <a:t>3/2/2018</a:t>
+              <a:t>3/9/2018</a:t>
             </a:fld>
             <a:endParaRPr lang="en-US" dirty="0"/>
           </a:p>
@@ -1410,7 +1410,7 @@
           <a:p>
             <a:fld id="{0B9EF227-5A19-4A44-83BB-A907BC2B18AD}" type="datetimeFigureOut">
               <a:rPr lang="en-US" smtClean="0"/>
-              <a:t>3/2/2018</a:t>
+              <a:t>3/9/2018</a:t>
             </a:fld>
             <a:endParaRPr lang="en-US" dirty="0"/>
           </a:p>
@@ -1822,7 +1822,7 @@
           <a:p>
             <a:fld id="{0B9EF227-5A19-4A44-83BB-A907BC2B18AD}" type="datetimeFigureOut">
               <a:rPr lang="en-US" smtClean="0"/>
-              <a:t>3/2/2018</a:t>
+              <a:t>3/9/2018</a:t>
             </a:fld>
             <a:endParaRPr lang="en-US" dirty="0"/>
           </a:p>
@@ -1963,7 +1963,7 @@
           <a:p>
             <a:fld id="{0B9EF227-5A19-4A44-83BB-A907BC2B18AD}" type="datetimeFigureOut">
               <a:rPr lang="en-US" smtClean="0"/>
-              <a:t>3/2/2018</a:t>
+              <a:t>3/9/2018</a:t>
             </a:fld>
             <a:endParaRPr lang="en-US" dirty="0"/>
           </a:p>
@@ -2076,7 +2076,7 @@
           <a:p>
             <a:fld id="{0B9EF227-5A19-4A44-83BB-A907BC2B18AD}" type="datetimeFigureOut">
               <a:rPr lang="en-US" smtClean="0"/>
-              <a:t>3/2/2018</a:t>
+              <a:t>3/9/2018</a:t>
             </a:fld>
             <a:endParaRPr lang="en-US" dirty="0"/>
           </a:p>
@@ -2387,7 +2387,7 @@
           <a:p>
             <a:fld id="{0B9EF227-5A19-4A44-83BB-A907BC2B18AD}" type="datetimeFigureOut">
               <a:rPr lang="en-US" smtClean="0"/>
-              <a:t>3/2/2018</a:t>
+              <a:t>3/9/2018</a:t>
             </a:fld>
             <a:endParaRPr lang="en-US" dirty="0"/>
           </a:p>
@@ -2675,7 +2675,7 @@
           <a:p>
             <a:fld id="{0B9EF227-5A19-4A44-83BB-A907BC2B18AD}" type="datetimeFigureOut">
               <a:rPr lang="en-US" smtClean="0"/>
-              <a:t>3/2/2018</a:t>
+              <a:t>3/9/2018</a:t>
             </a:fld>
             <a:endParaRPr lang="en-US" dirty="0"/>
           </a:p>
@@ -2916,7 +2916,7 @@
           <a:p>
             <a:fld id="{0B9EF227-5A19-4A44-83BB-A907BC2B18AD}" type="datetimeFigureOut">
               <a:rPr lang="en-US" smtClean="0"/>
-              <a:t>3/2/2018</a:t>
+              <a:t>3/9/2018</a:t>
             </a:fld>
             <a:endParaRPr lang="en-US" dirty="0"/>
           </a:p>
@@ -3517,9 +3517,10 @@
               </a:buBlip>
             </a:pPr>
             <a:r>
-              <a:rPr lang="en-US" dirty="0"/>
-              <a:t>Web Components</a:t>
-            </a:r>
+              <a:rPr lang="en-US"/>
+              <a:t>Components</a:t>
+            </a:r>
+            <a:endParaRPr lang="en-US" dirty="0"/>
           </a:p>
           <a:p>
             <a:pPr>
@@ -3762,10 +3763,10 @@
       </p:grpSpPr>
       <p:pic>
         <p:nvPicPr>
-          <p:cNvPr id="2" name="Picture 1">
-            <a:extLst>
-              <a:ext uri="{FF2B5EF4-FFF2-40B4-BE49-F238E27FC236}">
-                <a16:creationId xmlns:a16="http://schemas.microsoft.com/office/drawing/2014/main" id="{7401CF06-1967-4128-856B-2FD757411461}"/>
+          <p:cNvPr id="3" name="Picture 2">
+            <a:extLst>
+              <a:ext uri="{FF2B5EF4-FFF2-40B4-BE49-F238E27FC236}">
+                <a16:creationId xmlns:a16="http://schemas.microsoft.com/office/drawing/2014/main" id="{80F5F900-1CEC-4C81-A49F-2020CBDDCDF8}"/>
               </a:ext>
             </a:extLst>
           </p:cNvPr>
@@ -3782,8 +3783,8 @@
         </p:blipFill>
         <p:spPr>
           <a:xfrm>
-            <a:off x="1451826" y="0"/>
-            <a:ext cx="9288348" cy="6858000"/>
+            <a:off x="1781959" y="0"/>
+            <a:ext cx="8628082" cy="6858000"/>
           </a:xfrm>
           <a:prstGeom prst="rect">
             <a:avLst/>
